--- a/ITI/TF/Volume1/media/Figure_3.3-2.pptx
+++ b/ITI/TF/Volume1/media/Figure_3.3-2.pptx
@@ -104,6 +104,11 @@
       </a:defRPr>
     </a:lvl9pPr>
   </p:defaultTextStyle>
+  <p:extLst>
+    <p:ext uri="{EFAFB233-063F-42B5-8137-9DF3F51BA10A}">
+      <p15:sldGuideLst xmlns:p15="http://schemas.microsoft.com/office/powerpoint/2012/main"/>
+    </p:ext>
+  </p:extLst>
 </p:presentation>
 </file>
 
@@ -254,7 +259,7 @@
           <a:p>
             <a:fld id="{D82F4585-F62D-2742-8998-00250B6F0247}" type="datetimeFigureOut">
               <a:rPr lang="en-US" smtClean="0"/>
-              <a:t>8/10/20</a:t>
+              <a:t>8/26/20</a:t>
             </a:fld>
             <a:endParaRPr lang="en-US"/>
           </a:p>
@@ -452,7 +457,7 @@
           <a:p>
             <a:fld id="{D82F4585-F62D-2742-8998-00250B6F0247}" type="datetimeFigureOut">
               <a:rPr lang="en-US" smtClean="0"/>
-              <a:t>8/10/20</a:t>
+              <a:t>8/26/20</a:t>
             </a:fld>
             <a:endParaRPr lang="en-US"/>
           </a:p>
@@ -660,7 +665,7 @@
           <a:p>
             <a:fld id="{D82F4585-F62D-2742-8998-00250B6F0247}" type="datetimeFigureOut">
               <a:rPr lang="en-US" smtClean="0"/>
-              <a:t>8/10/20</a:t>
+              <a:t>8/26/20</a:t>
             </a:fld>
             <a:endParaRPr lang="en-US"/>
           </a:p>
@@ -858,7 +863,7 @@
           <a:p>
             <a:fld id="{D82F4585-F62D-2742-8998-00250B6F0247}" type="datetimeFigureOut">
               <a:rPr lang="en-US" smtClean="0"/>
-              <a:t>8/10/20</a:t>
+              <a:t>8/26/20</a:t>
             </a:fld>
             <a:endParaRPr lang="en-US"/>
           </a:p>
@@ -1133,7 +1138,7 @@
           <a:p>
             <a:fld id="{D82F4585-F62D-2742-8998-00250B6F0247}" type="datetimeFigureOut">
               <a:rPr lang="en-US" smtClean="0"/>
-              <a:t>8/10/20</a:t>
+              <a:t>8/26/20</a:t>
             </a:fld>
             <a:endParaRPr lang="en-US"/>
           </a:p>
@@ -1398,7 +1403,7 @@
           <a:p>
             <a:fld id="{D82F4585-F62D-2742-8998-00250B6F0247}" type="datetimeFigureOut">
               <a:rPr lang="en-US" smtClean="0"/>
-              <a:t>8/10/20</a:t>
+              <a:t>8/26/20</a:t>
             </a:fld>
             <a:endParaRPr lang="en-US"/>
           </a:p>
@@ -1810,7 +1815,7 @@
           <a:p>
             <a:fld id="{D82F4585-F62D-2742-8998-00250B6F0247}" type="datetimeFigureOut">
               <a:rPr lang="en-US" smtClean="0"/>
-              <a:t>8/10/20</a:t>
+              <a:t>8/26/20</a:t>
             </a:fld>
             <a:endParaRPr lang="en-US"/>
           </a:p>
@@ -1951,7 +1956,7 @@
           <a:p>
             <a:fld id="{D82F4585-F62D-2742-8998-00250B6F0247}" type="datetimeFigureOut">
               <a:rPr lang="en-US" smtClean="0"/>
-              <a:t>8/10/20</a:t>
+              <a:t>8/26/20</a:t>
             </a:fld>
             <a:endParaRPr lang="en-US"/>
           </a:p>
@@ -2064,7 +2069,7 @@
           <a:p>
             <a:fld id="{D82F4585-F62D-2742-8998-00250B6F0247}" type="datetimeFigureOut">
               <a:rPr lang="en-US" smtClean="0"/>
-              <a:t>8/10/20</a:t>
+              <a:t>8/26/20</a:t>
             </a:fld>
             <a:endParaRPr lang="en-US"/>
           </a:p>
@@ -2375,7 +2380,7 @@
           <a:p>
             <a:fld id="{D82F4585-F62D-2742-8998-00250B6F0247}" type="datetimeFigureOut">
               <a:rPr lang="en-US" smtClean="0"/>
-              <a:t>8/10/20</a:t>
+              <a:t>8/26/20</a:t>
             </a:fld>
             <a:endParaRPr lang="en-US"/>
           </a:p>
@@ -2663,7 +2668,7 @@
           <a:p>
             <a:fld id="{D82F4585-F62D-2742-8998-00250B6F0247}" type="datetimeFigureOut">
               <a:rPr lang="en-US" smtClean="0"/>
-              <a:t>8/10/20</a:t>
+              <a:t>8/26/20</a:t>
             </a:fld>
             <a:endParaRPr lang="en-US"/>
           </a:p>
@@ -2904,7 +2909,7 @@
           <a:p>
             <a:fld id="{D82F4585-F62D-2742-8998-00250B6F0247}" type="datetimeFigureOut">
               <a:rPr lang="en-US" smtClean="0"/>
-              <a:t>8/10/20</a:t>
+              <a:t>8/26/20</a:t>
             </a:fld>
             <a:endParaRPr lang="en-US"/>
           </a:p>
@@ -3337,7 +3342,7 @@
         </p:nvSpPr>
         <p:spPr bwMode="auto">
           <a:xfrm>
-            <a:off x="827088" y="466725"/>
+            <a:off x="827088" y="399819"/>
             <a:ext cx="954087" cy="320675"/>
           </a:xfrm>
           <a:prstGeom prst="rect">
@@ -3386,7 +3391,7 @@
               <a:buNone/>
               <a:tabLst/>
             </a:pPr>
-            <a:endParaRPr kumimoji="0" lang="fr-FR" altLang="en-US" sz="1000" b="0" i="0" u="none" strike="noStrike" cap="none" normalizeH="0" baseline="0">
+            <a:endParaRPr kumimoji="0" lang="fr-FR" altLang="en-US" sz="1000" b="0" i="0" u="none" strike="noStrike" cap="none" normalizeH="0" baseline="0" dirty="0">
               <a:ln>
                 <a:noFill/>
               </a:ln>
@@ -3416,7 +3421,7 @@
               <a:tabLst/>
             </a:pPr>
             <a:r>
-              <a:rPr kumimoji="0" lang="fr-FR" altLang="en-US" sz="1000" b="0" i="0" u="none" strike="noStrike" cap="none" normalizeH="0" baseline="0">
+              <a:rPr kumimoji="0" lang="fr-FR" altLang="en-US" sz="1000" b="0" i="0" u="none" strike="noStrike" cap="none" normalizeH="0" baseline="0" dirty="0">
                 <a:ln>
                   <a:noFill/>
                 </a:ln>
@@ -3429,7 +3434,7 @@
               </a:rPr>
               <a:t>Information Source </a:t>
             </a:r>
-            <a:endParaRPr kumimoji="0" lang="fr-FR" altLang="en-US" sz="1800" b="0" i="0" u="none" strike="noStrike" cap="none" normalizeH="0" baseline="0">
+            <a:endParaRPr kumimoji="0" lang="fr-FR" altLang="en-US" sz="1800" b="0" i="0" u="none" strike="noStrike" cap="none" normalizeH="0" baseline="0" dirty="0">
               <a:ln>
                 <a:noFill/>
               </a:ln>
@@ -3683,7 +3688,7 @@
         </p:nvSpPr>
         <p:spPr bwMode="auto">
           <a:xfrm>
-            <a:off x="3876675" y="2613025"/>
+            <a:off x="3943581" y="2613025"/>
             <a:ext cx="788988" cy="304800"/>
           </a:xfrm>
           <a:prstGeom prst="rect">
@@ -3733,7 +3738,7 @@
               <a:tabLst/>
             </a:pPr>
             <a:r>
-              <a:rPr kumimoji="0" lang="en-US" altLang="en-US" sz="1000" b="0" i="1" u="none" strike="noStrike" cap="none" normalizeH="0" baseline="0">
+              <a:rPr kumimoji="0" lang="en-US" altLang="en-US" sz="1000" b="0" i="1" u="none" strike="noStrike" cap="none" normalizeH="0" baseline="0" dirty="0">
                 <a:ln>
                   <a:noFill/>
                 </a:ln>
@@ -3741,13 +3746,14 @@
                   <a:schemeClr val="tx1"/>
                 </a:solidFill>
                 <a:effectLst/>
-                <a:latin typeface="Arial" panose="020B0604020202020204" pitchFamily="34" charset="0"/>
+                <a:latin typeface="Times New Roman" panose="02020603050405020304" pitchFamily="18" charset="0"/>
                 <a:ea typeface="Times New Roman" panose="02020603050405020304" pitchFamily="18" charset="0"/>
+                <a:cs typeface="Times New Roman" panose="02020603050405020304" pitchFamily="18" charset="0"/>
               </a:rPr>
               <a:t>Request for</a:t>
             </a:r>
             <a:br>
-              <a:rPr kumimoji="0" lang="en-US" altLang="en-US" sz="1000" b="0" i="1" u="none" strike="noStrike" cap="none" normalizeH="0" baseline="0">
+              <a:rPr kumimoji="0" lang="en-US" altLang="en-US" sz="1000" b="0" i="1" u="none" strike="noStrike" cap="none" normalizeH="0" baseline="0" dirty="0">
                 <a:ln>
                   <a:noFill/>
                 </a:ln>
@@ -3755,12 +3761,13 @@
                   <a:schemeClr val="tx1"/>
                 </a:solidFill>
                 <a:effectLst/>
-                <a:latin typeface="Arial" panose="020B0604020202020204" pitchFamily="34" charset="0"/>
+                <a:latin typeface="Times New Roman" panose="02020603050405020304" pitchFamily="18" charset="0"/>
                 <a:ea typeface="Times New Roman" panose="02020603050405020304" pitchFamily="18" charset="0"/>
+                <a:cs typeface="Times New Roman" panose="02020603050405020304" pitchFamily="18" charset="0"/>
               </a:rPr>
             </a:br>
             <a:r>
-              <a:rPr kumimoji="0" lang="en-US" altLang="en-US" sz="1000" b="0" i="1" u="none" strike="noStrike" cap="none" normalizeH="0" baseline="0">
+              <a:rPr kumimoji="0" lang="en-US" altLang="en-US" sz="1000" b="0" i="1" u="none" strike="noStrike" cap="none" normalizeH="0" baseline="0" dirty="0">
                 <a:ln>
                   <a:noFill/>
                 </a:ln>
@@ -3768,12 +3775,13 @@
                   <a:schemeClr val="tx1"/>
                 </a:solidFill>
                 <a:effectLst/>
-                <a:latin typeface="Arial" panose="020B0604020202020204" pitchFamily="34" charset="0"/>
+                <a:latin typeface="Times New Roman" panose="02020603050405020304" pitchFamily="18" charset="0"/>
                 <a:ea typeface="Times New Roman" panose="02020603050405020304" pitchFamily="18" charset="0"/>
+                <a:cs typeface="Times New Roman" panose="02020603050405020304" pitchFamily="18" charset="0"/>
               </a:rPr>
               <a:t>Document </a:t>
             </a:r>
-            <a:endParaRPr kumimoji="0" lang="en-US" altLang="en-US" sz="1800" b="0" i="0" u="none" strike="noStrike" cap="none" normalizeH="0" baseline="0">
+            <a:endParaRPr kumimoji="0" lang="en-US" altLang="en-US" sz="1800" b="0" i="0" u="none" strike="noStrike" cap="none" normalizeH="0" baseline="0" dirty="0">
               <a:ln>
                 <a:noFill/>
               </a:ln>
@@ -3781,7 +3789,8 @@
                 <a:schemeClr val="tx1"/>
               </a:solidFill>
               <a:effectLst/>
-              <a:latin typeface="Arial" panose="020B0604020202020204" pitchFamily="34" charset="0"/>
+              <a:latin typeface="Times New Roman" panose="02020603050405020304" pitchFamily="18" charset="0"/>
+              <a:cs typeface="Times New Roman" panose="02020603050405020304" pitchFamily="18" charset="0"/>
             </a:endParaRPr>
           </a:p>
         </p:txBody>
@@ -3894,7 +3903,7 @@
         </p:nvSpPr>
         <p:spPr bwMode="auto">
           <a:xfrm>
-            <a:off x="0" y="2679700"/>
+            <a:off x="44604" y="2545888"/>
             <a:ext cx="846138" cy="933450"/>
           </a:xfrm>
           <a:prstGeom prst="rect">
@@ -3943,7 +3952,7 @@
               <a:buNone/>
               <a:tabLst/>
             </a:pPr>
-            <a:endParaRPr kumimoji="0" lang="en-US" altLang="en-US" sz="1000" b="0" i="1" u="none" strike="noStrike" cap="none" normalizeH="0" baseline="0">
+            <a:endParaRPr kumimoji="0" lang="en-US" altLang="en-US" sz="1000" b="0" i="1" u="none" strike="noStrike" cap="none" normalizeH="0" baseline="0" dirty="0">
               <a:ln>
                 <a:noFill/>
               </a:ln>
@@ -3951,8 +3960,9 @@
                 <a:schemeClr val="tx1"/>
               </a:solidFill>
               <a:effectLst/>
-              <a:latin typeface="Arial" panose="020B0604020202020204" pitchFamily="34" charset="0"/>
+              <a:latin typeface="Times New Roman" panose="02020603050405020304" pitchFamily="18" charset="0"/>
               <a:ea typeface="Times New Roman" panose="02020603050405020304" pitchFamily="18" charset="0"/>
+              <a:cs typeface="Times New Roman" panose="02020603050405020304" pitchFamily="18" charset="0"/>
             </a:endParaRPr>
           </a:p>
           <a:p>
@@ -3973,7 +3983,7 @@
               <a:tabLst/>
             </a:pPr>
             <a:r>
-              <a:rPr kumimoji="0" lang="en-US" altLang="en-US" sz="1000" b="0" i="1" u="none" strike="noStrike" cap="none" normalizeH="0" baseline="0">
+              <a:rPr kumimoji="0" lang="en-US" altLang="en-US" sz="1000" b="0" i="1" u="none" strike="noStrike" cap="none" normalizeH="0" baseline="0" dirty="0">
                 <a:ln>
                   <a:noFill/>
                 </a:ln>
@@ -3981,12 +3991,13 @@
                   <a:schemeClr val="tx1"/>
                 </a:solidFill>
                 <a:effectLst/>
-                <a:latin typeface="Arial" panose="020B0604020202020204" pitchFamily="34" charset="0"/>
+                <a:latin typeface="Times New Roman" panose="02020603050405020304" pitchFamily="18" charset="0"/>
                 <a:ea typeface="Times New Roman" panose="02020603050405020304" pitchFamily="18" charset="0"/>
+                <a:cs typeface="Times New Roman" panose="02020603050405020304" pitchFamily="18" charset="0"/>
               </a:rPr>
               <a:t>Requested Document does not exist or client proposed formats not supported</a:t>
             </a:r>
-            <a:endParaRPr kumimoji="0" lang="en-US" altLang="en-US" sz="1800" b="0" i="0" u="none" strike="noStrike" cap="none" normalizeH="0" baseline="0">
+            <a:endParaRPr kumimoji="0" lang="en-US" altLang="en-US" sz="1800" b="0" i="0" u="none" strike="noStrike" cap="none" normalizeH="0" baseline="0" dirty="0">
               <a:ln>
                 <a:noFill/>
               </a:ln>
@@ -3994,7 +4005,8 @@
                 <a:schemeClr val="tx1"/>
               </a:solidFill>
               <a:effectLst/>
-              <a:latin typeface="Arial" panose="020B0604020202020204" pitchFamily="34" charset="0"/>
+              <a:latin typeface="Times New Roman" panose="02020603050405020304" pitchFamily="18" charset="0"/>
+              <a:cs typeface="Times New Roman" panose="02020603050405020304" pitchFamily="18" charset="0"/>
             </a:endParaRPr>
           </a:p>
         </p:txBody>
@@ -4015,7 +4027,7 @@
         </p:nvSpPr>
         <p:spPr bwMode="auto">
           <a:xfrm>
-            <a:off x="3886200" y="1079500"/>
+            <a:off x="3964257" y="1090651"/>
             <a:ext cx="788988" cy="304800"/>
           </a:xfrm>
           <a:prstGeom prst="rect">
@@ -4065,7 +4077,7 @@
               <a:tabLst/>
             </a:pPr>
             <a:r>
-              <a:rPr kumimoji="0" lang="en-US" altLang="en-US" sz="1000" b="0" i="1" u="none" strike="noStrike" cap="none" normalizeH="0" baseline="0">
+              <a:rPr kumimoji="0" lang="en-US" altLang="en-US" sz="1000" b="0" i="1" u="none" strike="noStrike" cap="none" normalizeH="0" baseline="0" dirty="0">
                 <a:ln>
                   <a:noFill/>
                 </a:ln>
@@ -4073,13 +4085,14 @@
                   <a:schemeClr val="tx1"/>
                 </a:solidFill>
                 <a:effectLst/>
-                <a:latin typeface="Arial" panose="020B0604020202020204" pitchFamily="34" charset="0"/>
+                <a:latin typeface="Times New Roman" panose="02020603050405020304" pitchFamily="18" charset="0"/>
                 <a:ea typeface="Times New Roman" panose="02020603050405020304" pitchFamily="18" charset="0"/>
+                <a:cs typeface="Times New Roman" panose="02020603050405020304" pitchFamily="18" charset="0"/>
               </a:rPr>
               <a:t>Request for</a:t>
             </a:r>
             <a:br>
-              <a:rPr kumimoji="0" lang="en-US" altLang="en-US" sz="1000" b="0" i="1" u="none" strike="noStrike" cap="none" normalizeH="0" baseline="0">
+              <a:rPr kumimoji="0" lang="en-US" altLang="en-US" sz="1000" b="0" i="1" u="none" strike="noStrike" cap="none" normalizeH="0" baseline="0" dirty="0">
                 <a:ln>
                   <a:noFill/>
                 </a:ln>
@@ -4087,12 +4100,13 @@
                   <a:schemeClr val="tx1"/>
                 </a:solidFill>
                 <a:effectLst/>
-                <a:latin typeface="Arial" panose="020B0604020202020204" pitchFamily="34" charset="0"/>
+                <a:latin typeface="Times New Roman" panose="02020603050405020304" pitchFamily="18" charset="0"/>
                 <a:ea typeface="Times New Roman" panose="02020603050405020304" pitchFamily="18" charset="0"/>
+                <a:cs typeface="Times New Roman" panose="02020603050405020304" pitchFamily="18" charset="0"/>
               </a:rPr>
             </a:br>
             <a:r>
-              <a:rPr kumimoji="0" lang="en-US" altLang="en-US" sz="1000" b="0" i="1" u="none" strike="noStrike" cap="none" normalizeH="0" baseline="0">
+              <a:rPr kumimoji="0" lang="en-US" altLang="en-US" sz="1000" b="0" i="1" u="none" strike="noStrike" cap="none" normalizeH="0" baseline="0" dirty="0">
                 <a:ln>
                   <a:noFill/>
                 </a:ln>
@@ -4100,12 +4114,13 @@
                   <a:schemeClr val="tx1"/>
                 </a:solidFill>
                 <a:effectLst/>
-                <a:latin typeface="Arial" panose="020B0604020202020204" pitchFamily="34" charset="0"/>
+                <a:latin typeface="Times New Roman" panose="02020603050405020304" pitchFamily="18" charset="0"/>
                 <a:ea typeface="Times New Roman" panose="02020603050405020304" pitchFamily="18" charset="0"/>
+                <a:cs typeface="Times New Roman" panose="02020603050405020304" pitchFamily="18" charset="0"/>
               </a:rPr>
               <a:t>Document </a:t>
             </a:r>
-            <a:endParaRPr kumimoji="0" lang="en-US" altLang="en-US" sz="1800" b="0" i="0" u="none" strike="noStrike" cap="none" normalizeH="0" baseline="0">
+            <a:endParaRPr kumimoji="0" lang="en-US" altLang="en-US" sz="1800" b="0" i="0" u="none" strike="noStrike" cap="none" normalizeH="0" baseline="0" dirty="0">
               <a:ln>
                 <a:noFill/>
               </a:ln>
@@ -4113,7 +4128,8 @@
                 <a:schemeClr val="tx1"/>
               </a:solidFill>
               <a:effectLst/>
-              <a:latin typeface="Arial" panose="020B0604020202020204" pitchFamily="34" charset="0"/>
+              <a:latin typeface="Times New Roman" panose="02020603050405020304" pitchFamily="18" charset="0"/>
+              <a:cs typeface="Times New Roman" panose="02020603050405020304" pitchFamily="18" charset="0"/>
             </a:endParaRPr>
           </a:p>
         </p:txBody>
@@ -4226,7 +4242,7 @@
         </p:nvSpPr>
         <p:spPr bwMode="auto">
           <a:xfrm>
-            <a:off x="9525" y="1165225"/>
+            <a:off x="98733" y="1087168"/>
             <a:ext cx="836613" cy="704850"/>
           </a:xfrm>
           <a:prstGeom prst="rect">
@@ -4275,7 +4291,7 @@
               <a:buNone/>
               <a:tabLst/>
             </a:pPr>
-            <a:endParaRPr kumimoji="0" lang="en-US" altLang="en-US" sz="1000" b="0" i="1" u="none" strike="noStrike" cap="none" normalizeH="0" baseline="0">
+            <a:endParaRPr kumimoji="0" lang="en-US" altLang="en-US" sz="1000" b="0" i="1" u="none" strike="noStrike" cap="none" normalizeH="0" baseline="0" dirty="0">
               <a:ln>
                 <a:noFill/>
               </a:ln>
@@ -4283,8 +4299,9 @@
                 <a:schemeClr val="tx1"/>
               </a:solidFill>
               <a:effectLst/>
-              <a:latin typeface="Arial" panose="020B0604020202020204" pitchFamily="34" charset="0"/>
+              <a:latin typeface="Times New Roman" panose="02020603050405020304" pitchFamily="18" charset="0"/>
               <a:ea typeface="Times New Roman" panose="02020603050405020304" pitchFamily="18" charset="0"/>
+              <a:cs typeface="Times New Roman" panose="02020603050405020304" pitchFamily="18" charset="0"/>
             </a:endParaRPr>
           </a:p>
           <a:p>
@@ -4305,7 +4322,7 @@
               <a:tabLst/>
             </a:pPr>
             <a:r>
-              <a:rPr kumimoji="0" lang="en-US" altLang="en-US" sz="1000" b="0" i="1" u="none" strike="noStrike" cap="none" normalizeH="0" baseline="0">
+              <a:rPr kumimoji="0" lang="en-US" altLang="en-US" sz="1000" b="0" i="1" u="none" strike="noStrike" cap="none" normalizeH="0" baseline="0" dirty="0">
                 <a:ln>
                   <a:noFill/>
                 </a:ln>
@@ -4313,13 +4330,14 @@
                   <a:schemeClr val="tx1"/>
                 </a:solidFill>
                 <a:effectLst/>
-                <a:latin typeface="Arial" panose="020B0604020202020204" pitchFamily="34" charset="0"/>
+                <a:latin typeface="Times New Roman" panose="02020603050405020304" pitchFamily="18" charset="0"/>
                 <a:ea typeface="Times New Roman" panose="02020603050405020304" pitchFamily="18" charset="0"/>
+                <a:cs typeface="Times New Roman" panose="02020603050405020304" pitchFamily="18" charset="0"/>
               </a:rPr>
               <a:t>Prepare Selected</a:t>
             </a:r>
             <a:br>
-              <a:rPr kumimoji="0" lang="en-US" altLang="en-US" sz="1000" b="0" i="1" u="none" strike="noStrike" cap="none" normalizeH="0" baseline="0">
+              <a:rPr kumimoji="0" lang="en-US" altLang="en-US" sz="1000" b="0" i="1" u="none" strike="noStrike" cap="none" normalizeH="0" baseline="0" dirty="0">
                 <a:ln>
                   <a:noFill/>
                 </a:ln>
@@ -4327,12 +4345,13 @@
                   <a:schemeClr val="tx1"/>
                 </a:solidFill>
                 <a:effectLst/>
-                <a:latin typeface="Arial" panose="020B0604020202020204" pitchFamily="34" charset="0"/>
+                <a:latin typeface="Times New Roman" panose="02020603050405020304" pitchFamily="18" charset="0"/>
                 <a:ea typeface="Times New Roman" panose="02020603050405020304" pitchFamily="18" charset="0"/>
+                <a:cs typeface="Times New Roman" panose="02020603050405020304" pitchFamily="18" charset="0"/>
               </a:rPr>
             </a:br>
             <a:r>
-              <a:rPr kumimoji="0" lang="en-US" altLang="en-US" sz="1000" b="0" i="1" u="none" strike="noStrike" cap="none" normalizeH="0" baseline="0">
+              <a:rPr kumimoji="0" lang="en-US" altLang="en-US" sz="1000" b="0" i="1" u="none" strike="noStrike" cap="none" normalizeH="0" baseline="0" dirty="0">
                 <a:ln>
                   <a:noFill/>
                 </a:ln>
@@ -4340,12 +4359,13 @@
                   <a:schemeClr val="tx1"/>
                 </a:solidFill>
                 <a:effectLst/>
-                <a:latin typeface="Arial" panose="020B0604020202020204" pitchFamily="34" charset="0"/>
+                <a:latin typeface="Times New Roman" panose="02020603050405020304" pitchFamily="18" charset="0"/>
                 <a:ea typeface="Times New Roman" panose="02020603050405020304" pitchFamily="18" charset="0"/>
+                <a:cs typeface="Times New Roman" panose="02020603050405020304" pitchFamily="18" charset="0"/>
               </a:rPr>
               <a:t>Document for Display </a:t>
             </a:r>
-            <a:endParaRPr kumimoji="0" lang="en-US" altLang="en-US" sz="1800" b="0" i="0" u="none" strike="noStrike" cap="none" normalizeH="0" baseline="0">
+            <a:endParaRPr kumimoji="0" lang="en-US" altLang="en-US" sz="1800" b="0" i="0" u="none" strike="noStrike" cap="none" normalizeH="0" baseline="0" dirty="0">
               <a:ln>
                 <a:noFill/>
               </a:ln>
@@ -4353,7 +4373,8 @@
                 <a:schemeClr val="tx1"/>
               </a:solidFill>
               <a:effectLst/>
-              <a:latin typeface="Arial" panose="020B0604020202020204" pitchFamily="34" charset="0"/>
+              <a:latin typeface="Times New Roman" panose="02020603050405020304" pitchFamily="18" charset="0"/>
+              <a:cs typeface="Times New Roman" panose="02020603050405020304" pitchFamily="18" charset="0"/>
             </a:endParaRPr>
           </a:p>
         </p:txBody>
@@ -4437,8 +4458,9 @@
                   <a:schemeClr val="tx1"/>
                 </a:solidFill>
                 <a:effectLst/>
-                <a:latin typeface="Arial" panose="020B0604020202020204" pitchFamily="34" charset="0"/>
+                <a:latin typeface="Times New Roman" panose="02020603050405020304" pitchFamily="18" charset="0"/>
                 <a:ea typeface="Times New Roman" panose="02020603050405020304" pitchFamily="18" charset="0"/>
+                <a:cs typeface="Times New Roman" panose="02020603050405020304" pitchFamily="18" charset="0"/>
               </a:rPr>
               <a:t>Retrieve Document</a:t>
             </a:r>
@@ -4451,8 +4473,9 @@
                   <a:schemeClr val="tx1"/>
                 </a:solidFill>
                 <a:effectLst/>
-                <a:latin typeface="Arial" panose="020B0604020202020204" pitchFamily="34" charset="0"/>
+                <a:latin typeface="Times New Roman" panose="02020603050405020304" pitchFamily="18" charset="0"/>
                 <a:ea typeface="Times New Roman" panose="02020603050405020304" pitchFamily="18" charset="0"/>
+                <a:cs typeface="Times New Roman" panose="02020603050405020304" pitchFamily="18" charset="0"/>
               </a:rPr>
             </a:br>
             <a:r>
@@ -4464,8 +4487,9 @@
                   <a:schemeClr val="tx1"/>
                 </a:solidFill>
                 <a:effectLst/>
-                <a:latin typeface="Arial" panose="020B0604020202020204" pitchFamily="34" charset="0"/>
+                <a:latin typeface="Times New Roman" panose="02020603050405020304" pitchFamily="18" charset="0"/>
                 <a:ea typeface="Times New Roman" panose="02020603050405020304" pitchFamily="18" charset="0"/>
+                <a:cs typeface="Times New Roman" panose="02020603050405020304" pitchFamily="18" charset="0"/>
               </a:rPr>
               <a:t> for Display [ITI-12]</a:t>
             </a:r>
@@ -4477,7 +4501,8 @@
                 <a:schemeClr val="tx1"/>
               </a:solidFill>
               <a:effectLst/>
-              <a:latin typeface="Arial" panose="020B0604020202020204" pitchFamily="34" charset="0"/>
+              <a:latin typeface="Times New Roman" panose="02020603050405020304" pitchFamily="18" charset="0"/>
+              <a:cs typeface="Times New Roman" panose="02020603050405020304" pitchFamily="18" charset="0"/>
             </a:endParaRPr>
           </a:p>
         </p:txBody>
@@ -4498,7 +4523,7 @@
         </p:nvSpPr>
         <p:spPr bwMode="auto">
           <a:xfrm>
-            <a:off x="3914775" y="1460500"/>
+            <a:off x="3970530" y="1460500"/>
             <a:ext cx="788988" cy="485775"/>
           </a:xfrm>
           <a:prstGeom prst="rect">
@@ -4548,7 +4573,7 @@
               <a:tabLst/>
             </a:pPr>
             <a:r>
-              <a:rPr kumimoji="0" lang="en-US" altLang="en-US" sz="1000" b="0" i="1" u="none" strike="noStrike" cap="none" normalizeH="0" baseline="0">
+              <a:rPr kumimoji="0" lang="en-US" altLang="en-US" sz="1000" b="0" i="1" u="none" strike="noStrike" cap="none" normalizeH="0" baseline="0" dirty="0">
                 <a:ln>
                   <a:noFill/>
                 </a:ln>
@@ -4556,13 +4581,14 @@
                   <a:schemeClr val="tx1"/>
                 </a:solidFill>
                 <a:effectLst/>
-                <a:latin typeface="Arial" panose="020B0604020202020204" pitchFamily="34" charset="0"/>
+                <a:latin typeface="Times New Roman" panose="02020603050405020304" pitchFamily="18" charset="0"/>
                 <a:ea typeface="Times New Roman" panose="02020603050405020304" pitchFamily="18" charset="0"/>
+                <a:cs typeface="Times New Roman" panose="02020603050405020304" pitchFamily="18" charset="0"/>
               </a:rPr>
               <a:t>Display</a:t>
             </a:r>
             <a:br>
-              <a:rPr kumimoji="0" lang="en-US" altLang="en-US" sz="1000" b="0" i="1" u="none" strike="noStrike" cap="none" normalizeH="0" baseline="0">
+              <a:rPr kumimoji="0" lang="en-US" altLang="en-US" sz="1000" b="0" i="1" u="none" strike="noStrike" cap="none" normalizeH="0" baseline="0" dirty="0">
                 <a:ln>
                   <a:noFill/>
                 </a:ln>
@@ -4570,12 +4596,13 @@
                   <a:schemeClr val="tx1"/>
                 </a:solidFill>
                 <a:effectLst/>
-                <a:latin typeface="Arial" panose="020B0604020202020204" pitchFamily="34" charset="0"/>
+                <a:latin typeface="Times New Roman" panose="02020603050405020304" pitchFamily="18" charset="0"/>
                 <a:ea typeface="Times New Roman" panose="02020603050405020304" pitchFamily="18" charset="0"/>
+                <a:cs typeface="Times New Roman" panose="02020603050405020304" pitchFamily="18" charset="0"/>
               </a:rPr>
             </a:br>
             <a:r>
-              <a:rPr kumimoji="0" lang="en-US" altLang="en-US" sz="1000" b="0" i="1" u="none" strike="noStrike" cap="none" normalizeH="0" baseline="0">
+              <a:rPr kumimoji="0" lang="en-US" altLang="en-US" sz="1000" b="0" i="1" u="none" strike="noStrike" cap="none" normalizeH="0" baseline="0" dirty="0">
                 <a:ln>
                   <a:noFill/>
                 </a:ln>
@@ -4583,12 +4610,13 @@
                   <a:schemeClr val="tx1"/>
                 </a:solidFill>
                 <a:effectLst/>
-                <a:latin typeface="Arial" panose="020B0604020202020204" pitchFamily="34" charset="0"/>
+                <a:latin typeface="Times New Roman" panose="02020603050405020304" pitchFamily="18" charset="0"/>
                 <a:ea typeface="Times New Roman" panose="02020603050405020304" pitchFamily="18" charset="0"/>
+                <a:cs typeface="Times New Roman" panose="02020603050405020304" pitchFamily="18" charset="0"/>
               </a:rPr>
               <a:t>Document Content</a:t>
             </a:r>
-            <a:endParaRPr kumimoji="0" lang="en-US" altLang="en-US" sz="1800" b="0" i="0" u="none" strike="noStrike" cap="none" normalizeH="0" baseline="0">
+            <a:endParaRPr kumimoji="0" lang="en-US" altLang="en-US" sz="1800" b="0" i="0" u="none" strike="noStrike" cap="none" normalizeH="0" baseline="0" dirty="0">
               <a:ln>
                 <a:noFill/>
               </a:ln>
@@ -4596,7 +4624,8 @@
                 <a:schemeClr val="tx1"/>
               </a:solidFill>
               <a:effectLst/>
-              <a:latin typeface="Arial" panose="020B0604020202020204" pitchFamily="34" charset="0"/>
+              <a:latin typeface="Times New Roman" panose="02020603050405020304" pitchFamily="18" charset="0"/>
+              <a:cs typeface="Times New Roman" panose="02020603050405020304" pitchFamily="18" charset="0"/>
             </a:endParaRPr>
           </a:p>
         </p:txBody>
@@ -4617,7 +4646,7 @@
         </p:nvSpPr>
         <p:spPr bwMode="auto">
           <a:xfrm>
-            <a:off x="3895725" y="3146425"/>
+            <a:off x="3906876" y="3146425"/>
             <a:ext cx="960438" cy="200025"/>
           </a:xfrm>
           <a:prstGeom prst="rect">
@@ -4667,7 +4696,7 @@
               <a:tabLst/>
             </a:pPr>
             <a:r>
-              <a:rPr kumimoji="0" lang="en-US" altLang="en-US" sz="1000" b="0" i="1" u="none" strike="noStrike" cap="none" normalizeH="0" baseline="0">
+              <a:rPr kumimoji="0" lang="en-US" altLang="en-US" sz="1000" b="0" i="1" u="none" strike="noStrike" cap="none" normalizeH="0" baseline="0" dirty="0">
                 <a:ln>
                   <a:noFill/>
                 </a:ln>
@@ -4675,12 +4704,13 @@
                   <a:schemeClr val="tx1"/>
                 </a:solidFill>
                 <a:effectLst/>
-                <a:latin typeface="Arial" panose="020B0604020202020204" pitchFamily="34" charset="0"/>
+                <a:latin typeface="Times New Roman" panose="02020603050405020304" pitchFamily="18" charset="0"/>
                 <a:ea typeface="Times New Roman" panose="02020603050405020304" pitchFamily="18" charset="0"/>
+                <a:cs typeface="Times New Roman" panose="02020603050405020304" pitchFamily="18" charset="0"/>
               </a:rPr>
               <a:t>Display Error</a:t>
             </a:r>
-            <a:endParaRPr kumimoji="0" lang="en-US" altLang="en-US" sz="1800" b="0" i="0" u="none" strike="noStrike" cap="none" normalizeH="0" baseline="0">
+            <a:endParaRPr kumimoji="0" lang="en-US" altLang="en-US" sz="1800" b="0" i="0" u="none" strike="noStrike" cap="none" normalizeH="0" baseline="0" dirty="0">
               <a:ln>
                 <a:noFill/>
               </a:ln>
@@ -4688,7 +4718,8 @@
                 <a:schemeClr val="tx1"/>
               </a:solidFill>
               <a:effectLst/>
-              <a:latin typeface="Arial" panose="020B0604020202020204" pitchFamily="34" charset="0"/>
+              <a:latin typeface="Times New Roman" panose="02020603050405020304" pitchFamily="18" charset="0"/>
+              <a:cs typeface="Times New Roman" panose="02020603050405020304" pitchFamily="18" charset="0"/>
             </a:endParaRPr>
           </a:p>
         </p:txBody>
@@ -4772,8 +4803,9 @@
                   <a:schemeClr val="tx1"/>
                 </a:solidFill>
                 <a:effectLst/>
-                <a:latin typeface="Arial" panose="020B0604020202020204" pitchFamily="34" charset="0"/>
+                <a:latin typeface="Times New Roman" panose="02020603050405020304" pitchFamily="18" charset="0"/>
                 <a:ea typeface="Times New Roman" panose="02020603050405020304" pitchFamily="18" charset="0"/>
+                <a:cs typeface="Times New Roman" panose="02020603050405020304" pitchFamily="18" charset="0"/>
               </a:rPr>
               <a:t>Retrieve Document</a:t>
             </a:r>
@@ -4786,8 +4818,9 @@
                   <a:schemeClr val="tx1"/>
                 </a:solidFill>
                 <a:effectLst/>
-                <a:latin typeface="Arial" panose="020B0604020202020204" pitchFamily="34" charset="0"/>
+                <a:latin typeface="Times New Roman" panose="02020603050405020304" pitchFamily="18" charset="0"/>
                 <a:ea typeface="Times New Roman" panose="02020603050405020304" pitchFamily="18" charset="0"/>
+                <a:cs typeface="Times New Roman" panose="02020603050405020304" pitchFamily="18" charset="0"/>
               </a:rPr>
             </a:br>
             <a:r>
@@ -4799,8 +4832,9 @@
                   <a:schemeClr val="tx1"/>
                 </a:solidFill>
                 <a:effectLst/>
-                <a:latin typeface="Arial" panose="020B0604020202020204" pitchFamily="34" charset="0"/>
+                <a:latin typeface="Times New Roman" panose="02020603050405020304" pitchFamily="18" charset="0"/>
                 <a:ea typeface="Times New Roman" panose="02020603050405020304" pitchFamily="18" charset="0"/>
+                <a:cs typeface="Times New Roman" panose="02020603050405020304" pitchFamily="18" charset="0"/>
               </a:rPr>
               <a:t> for Display [ITI-12]</a:t>
             </a:r>
@@ -4812,7 +4846,8 @@
                 <a:schemeClr val="tx1"/>
               </a:solidFill>
               <a:effectLst/>
-              <a:latin typeface="Arial" panose="020B0604020202020204" pitchFamily="34" charset="0"/>
+              <a:latin typeface="Times New Roman" panose="02020603050405020304" pitchFamily="18" charset="0"/>
+              <a:cs typeface="Times New Roman" panose="02020603050405020304" pitchFamily="18" charset="0"/>
             </a:endParaRPr>
           </a:p>
         </p:txBody>
@@ -5906,6 +5941,870 @@
           </a:p>
         </p:txBody>
       </p:sp>
+      <p:sp>
+        <p:nvSpPr>
+          <p:cNvPr id="43" name="Line 23">
+            <a:extLst>
+              <a:ext uri="{FF2B5EF4-FFF2-40B4-BE49-F238E27FC236}">
+                <a16:creationId xmlns:a16="http://schemas.microsoft.com/office/drawing/2014/main" id="{B8DCB891-C642-B64E-AE54-24628390159E}"/>
+              </a:ext>
+            </a:extLst>
+          </p:cNvPr>
+          <p:cNvSpPr>
+            <a:spLocks noChangeShapeType="1"/>
+          </p:cNvSpPr>
+          <p:nvPr/>
+        </p:nvSpPr>
+        <p:spPr bwMode="auto">
+          <a:xfrm flipH="1">
+            <a:off x="3568279" y="3328285"/>
+            <a:ext cx="296418" cy="0"/>
+          </a:xfrm>
+          <a:prstGeom prst="line">
+            <a:avLst/>
+          </a:prstGeom>
+          <a:noFill/>
+          <a:ln w="9525">
+            <a:solidFill>
+              <a:srgbClr val="000000"/>
+            </a:solidFill>
+            <a:round/>
+            <a:headEnd/>
+            <a:tailEnd type="triangle" w="med" len="med"/>
+          </a:ln>
+          <a:extLst>
+            <a:ext uri="{909E8E84-426E-40DD-AFC4-6F175D3DCCD1}">
+              <a14:hiddenFill xmlns:a14="http://schemas.microsoft.com/office/drawing/2010/main">
+                <a:noFill/>
+              </a14:hiddenFill>
+            </a:ext>
+          </a:extLst>
+        </p:spPr>
+        <p:txBody>
+          <a:bodyPr vert="horz" wrap="square" lIns="91440" tIns="45720" rIns="91440" bIns="45720" numCol="1" anchor="t" anchorCtr="0" compatLnSpc="1">
+            <a:prstTxWarp prst="textNoShape">
+              <a:avLst/>
+            </a:prstTxWarp>
+          </a:bodyPr>
+          <a:lstStyle/>
+          <a:p>
+            <a:endParaRPr lang="en-US"/>
+          </a:p>
+        </p:txBody>
+      </p:sp>
+      <p:cxnSp>
+        <p:nvCxnSpPr>
+          <p:cNvPr id="44" name="Straight Connector 43">
+            <a:extLst>
+              <a:ext uri="{FF2B5EF4-FFF2-40B4-BE49-F238E27FC236}">
+                <a16:creationId xmlns:a16="http://schemas.microsoft.com/office/drawing/2014/main" id="{DB1277FC-FDF3-CB44-8E35-8098DD8A58AF}"/>
+              </a:ext>
+            </a:extLst>
+          </p:cNvPr>
+          <p:cNvCxnSpPr>
+            <a:cxnSpLocks/>
+          </p:cNvCxnSpPr>
+          <p:nvPr/>
+        </p:nvCxnSpPr>
+        <p:spPr>
+          <a:xfrm>
+            <a:off x="3875088" y="3132320"/>
+            <a:ext cx="0" cy="195965"/>
+          </a:xfrm>
+          <a:prstGeom prst="line">
+            <a:avLst/>
+          </a:prstGeom>
+          <a:ln w="12700">
+            <a:solidFill>
+              <a:schemeClr val="tx1"/>
+            </a:solidFill>
+          </a:ln>
+        </p:spPr>
+        <p:style>
+          <a:lnRef idx="1">
+            <a:schemeClr val="accent1"/>
+          </a:lnRef>
+          <a:fillRef idx="0">
+            <a:schemeClr val="accent1"/>
+          </a:fillRef>
+          <a:effectRef idx="0">
+            <a:schemeClr val="accent1"/>
+          </a:effectRef>
+          <a:fontRef idx="minor">
+            <a:schemeClr val="tx1"/>
+          </a:fontRef>
+        </p:style>
+      </p:cxnSp>
+      <p:cxnSp>
+        <p:nvCxnSpPr>
+          <p:cNvPr id="45" name="Straight Connector 44">
+            <a:extLst>
+              <a:ext uri="{FF2B5EF4-FFF2-40B4-BE49-F238E27FC236}">
+                <a16:creationId xmlns:a16="http://schemas.microsoft.com/office/drawing/2014/main" id="{ADCEC8A7-BC1A-1A4C-8025-6E9454FA1C47}"/>
+              </a:ext>
+            </a:extLst>
+          </p:cNvPr>
+          <p:cNvCxnSpPr>
+            <a:cxnSpLocks/>
+          </p:cNvCxnSpPr>
+          <p:nvPr/>
+        </p:nvCxnSpPr>
+        <p:spPr>
+          <a:xfrm flipH="1">
+            <a:off x="3550962" y="3141249"/>
+            <a:ext cx="324127" cy="0"/>
+          </a:xfrm>
+          <a:prstGeom prst="line">
+            <a:avLst/>
+          </a:prstGeom>
+          <a:ln w="12700">
+            <a:solidFill>
+              <a:schemeClr val="tx1"/>
+            </a:solidFill>
+          </a:ln>
+        </p:spPr>
+        <p:style>
+          <a:lnRef idx="1">
+            <a:schemeClr val="accent1"/>
+          </a:lnRef>
+          <a:fillRef idx="0">
+            <a:schemeClr val="accent1"/>
+          </a:fillRef>
+          <a:effectRef idx="0">
+            <a:schemeClr val="accent1"/>
+          </a:effectRef>
+          <a:fontRef idx="minor">
+            <a:schemeClr val="tx1"/>
+          </a:fontRef>
+        </p:style>
+      </p:cxnSp>
+      <p:sp>
+        <p:nvSpPr>
+          <p:cNvPr id="46" name="Line 23">
+            <a:extLst>
+              <a:ext uri="{FF2B5EF4-FFF2-40B4-BE49-F238E27FC236}">
+                <a16:creationId xmlns:a16="http://schemas.microsoft.com/office/drawing/2014/main" id="{D56B5C97-3600-8D44-AC5B-E5752F2862B3}"/>
+              </a:ext>
+            </a:extLst>
+          </p:cNvPr>
+          <p:cNvSpPr>
+            <a:spLocks noChangeShapeType="1"/>
+          </p:cNvSpPr>
+          <p:nvPr/>
+        </p:nvSpPr>
+        <p:spPr bwMode="auto">
+          <a:xfrm flipH="1">
+            <a:off x="3612885" y="1778267"/>
+            <a:ext cx="296418" cy="0"/>
+          </a:xfrm>
+          <a:prstGeom prst="line">
+            <a:avLst/>
+          </a:prstGeom>
+          <a:noFill/>
+          <a:ln w="9525">
+            <a:solidFill>
+              <a:srgbClr val="000000"/>
+            </a:solidFill>
+            <a:round/>
+            <a:headEnd/>
+            <a:tailEnd type="triangle" w="med" len="med"/>
+          </a:ln>
+          <a:extLst>
+            <a:ext uri="{909E8E84-426E-40DD-AFC4-6F175D3DCCD1}">
+              <a14:hiddenFill xmlns:a14="http://schemas.microsoft.com/office/drawing/2010/main">
+                <a:noFill/>
+              </a14:hiddenFill>
+            </a:ext>
+          </a:extLst>
+        </p:spPr>
+        <p:txBody>
+          <a:bodyPr vert="horz" wrap="square" lIns="91440" tIns="45720" rIns="91440" bIns="45720" numCol="1" anchor="t" anchorCtr="0" compatLnSpc="1">
+            <a:prstTxWarp prst="textNoShape">
+              <a:avLst/>
+            </a:prstTxWarp>
+          </a:bodyPr>
+          <a:lstStyle/>
+          <a:p>
+            <a:endParaRPr lang="en-US"/>
+          </a:p>
+        </p:txBody>
+      </p:sp>
+      <p:cxnSp>
+        <p:nvCxnSpPr>
+          <p:cNvPr id="47" name="Straight Connector 46">
+            <a:extLst>
+              <a:ext uri="{FF2B5EF4-FFF2-40B4-BE49-F238E27FC236}">
+                <a16:creationId xmlns:a16="http://schemas.microsoft.com/office/drawing/2014/main" id="{85B397C4-69D8-F848-91A5-2CE9E3F6D2C1}"/>
+              </a:ext>
+            </a:extLst>
+          </p:cNvPr>
+          <p:cNvCxnSpPr>
+            <a:cxnSpLocks/>
+          </p:cNvCxnSpPr>
+          <p:nvPr/>
+        </p:nvCxnSpPr>
+        <p:spPr>
+          <a:xfrm>
+            <a:off x="3919694" y="1582302"/>
+            <a:ext cx="0" cy="195965"/>
+          </a:xfrm>
+          <a:prstGeom prst="line">
+            <a:avLst/>
+          </a:prstGeom>
+          <a:ln w="12700">
+            <a:solidFill>
+              <a:schemeClr val="tx1"/>
+            </a:solidFill>
+          </a:ln>
+        </p:spPr>
+        <p:style>
+          <a:lnRef idx="1">
+            <a:schemeClr val="accent1"/>
+          </a:lnRef>
+          <a:fillRef idx="0">
+            <a:schemeClr val="accent1"/>
+          </a:fillRef>
+          <a:effectRef idx="0">
+            <a:schemeClr val="accent1"/>
+          </a:effectRef>
+          <a:fontRef idx="minor">
+            <a:schemeClr val="tx1"/>
+          </a:fontRef>
+        </p:style>
+      </p:cxnSp>
+      <p:cxnSp>
+        <p:nvCxnSpPr>
+          <p:cNvPr id="48" name="Straight Connector 47">
+            <a:extLst>
+              <a:ext uri="{FF2B5EF4-FFF2-40B4-BE49-F238E27FC236}">
+                <a16:creationId xmlns:a16="http://schemas.microsoft.com/office/drawing/2014/main" id="{D8C27E91-1BD9-E043-8DE3-1036480CC267}"/>
+              </a:ext>
+            </a:extLst>
+          </p:cNvPr>
+          <p:cNvCxnSpPr>
+            <a:cxnSpLocks/>
+          </p:cNvCxnSpPr>
+          <p:nvPr/>
+        </p:nvCxnSpPr>
+        <p:spPr>
+          <a:xfrm flipH="1">
+            <a:off x="3595568" y="1591231"/>
+            <a:ext cx="324127" cy="0"/>
+          </a:xfrm>
+          <a:prstGeom prst="line">
+            <a:avLst/>
+          </a:prstGeom>
+          <a:ln w="12700">
+            <a:solidFill>
+              <a:schemeClr val="tx1"/>
+            </a:solidFill>
+          </a:ln>
+        </p:spPr>
+        <p:style>
+          <a:lnRef idx="1">
+            <a:schemeClr val="accent1"/>
+          </a:lnRef>
+          <a:fillRef idx="0">
+            <a:schemeClr val="accent1"/>
+          </a:fillRef>
+          <a:effectRef idx="0">
+            <a:schemeClr val="accent1"/>
+          </a:effectRef>
+          <a:fontRef idx="minor">
+            <a:schemeClr val="tx1"/>
+          </a:fontRef>
+        </p:style>
+      </p:cxnSp>
+      <p:sp>
+        <p:nvSpPr>
+          <p:cNvPr id="49" name="Line 23">
+            <a:extLst>
+              <a:ext uri="{FF2B5EF4-FFF2-40B4-BE49-F238E27FC236}">
+                <a16:creationId xmlns:a16="http://schemas.microsoft.com/office/drawing/2014/main" id="{49329DA0-5921-A542-BAFF-C4CE0F3B8334}"/>
+              </a:ext>
+            </a:extLst>
+          </p:cNvPr>
+          <p:cNvSpPr>
+            <a:spLocks noChangeShapeType="1"/>
+          </p:cNvSpPr>
+          <p:nvPr/>
+        </p:nvSpPr>
+        <p:spPr bwMode="auto">
+          <a:xfrm flipH="1">
+            <a:off x="3587886" y="1367013"/>
+            <a:ext cx="296418" cy="0"/>
+          </a:xfrm>
+          <a:prstGeom prst="line">
+            <a:avLst/>
+          </a:prstGeom>
+          <a:noFill/>
+          <a:ln w="9525">
+            <a:solidFill>
+              <a:srgbClr val="000000"/>
+            </a:solidFill>
+            <a:round/>
+            <a:headEnd/>
+            <a:tailEnd type="triangle" w="med" len="med"/>
+          </a:ln>
+          <a:extLst>
+            <a:ext uri="{909E8E84-426E-40DD-AFC4-6F175D3DCCD1}">
+              <a14:hiddenFill xmlns:a14="http://schemas.microsoft.com/office/drawing/2010/main">
+                <a:noFill/>
+              </a14:hiddenFill>
+            </a:ext>
+          </a:extLst>
+        </p:spPr>
+        <p:txBody>
+          <a:bodyPr vert="horz" wrap="square" lIns="91440" tIns="45720" rIns="91440" bIns="45720" numCol="1" anchor="t" anchorCtr="0" compatLnSpc="1">
+            <a:prstTxWarp prst="textNoShape">
+              <a:avLst/>
+            </a:prstTxWarp>
+          </a:bodyPr>
+          <a:lstStyle/>
+          <a:p>
+            <a:endParaRPr lang="en-US"/>
+          </a:p>
+        </p:txBody>
+      </p:sp>
+      <p:cxnSp>
+        <p:nvCxnSpPr>
+          <p:cNvPr id="50" name="Straight Connector 49">
+            <a:extLst>
+              <a:ext uri="{FF2B5EF4-FFF2-40B4-BE49-F238E27FC236}">
+                <a16:creationId xmlns:a16="http://schemas.microsoft.com/office/drawing/2014/main" id="{3266FE9E-513E-E341-AC4F-AF4FD20A8727}"/>
+              </a:ext>
+            </a:extLst>
+          </p:cNvPr>
+          <p:cNvCxnSpPr>
+            <a:cxnSpLocks/>
+          </p:cNvCxnSpPr>
+          <p:nvPr/>
+        </p:nvCxnSpPr>
+        <p:spPr>
+          <a:xfrm>
+            <a:off x="3894695" y="1124556"/>
+            <a:ext cx="0" cy="242457"/>
+          </a:xfrm>
+          <a:prstGeom prst="line">
+            <a:avLst/>
+          </a:prstGeom>
+          <a:ln w="12700">
+            <a:solidFill>
+              <a:schemeClr val="tx1"/>
+            </a:solidFill>
+          </a:ln>
+        </p:spPr>
+        <p:style>
+          <a:lnRef idx="1">
+            <a:schemeClr val="accent1"/>
+          </a:lnRef>
+          <a:fillRef idx="0">
+            <a:schemeClr val="accent1"/>
+          </a:fillRef>
+          <a:effectRef idx="0">
+            <a:schemeClr val="accent1"/>
+          </a:effectRef>
+          <a:fontRef idx="minor">
+            <a:schemeClr val="tx1"/>
+          </a:fontRef>
+        </p:style>
+      </p:cxnSp>
+      <p:cxnSp>
+        <p:nvCxnSpPr>
+          <p:cNvPr id="51" name="Straight Connector 50">
+            <a:extLst>
+              <a:ext uri="{FF2B5EF4-FFF2-40B4-BE49-F238E27FC236}">
+                <a16:creationId xmlns:a16="http://schemas.microsoft.com/office/drawing/2014/main" id="{7D2142F8-79F5-E146-8DD6-E4B9614E6B20}"/>
+              </a:ext>
+            </a:extLst>
+          </p:cNvPr>
+          <p:cNvCxnSpPr>
+            <a:cxnSpLocks/>
+          </p:cNvCxnSpPr>
+          <p:nvPr/>
+        </p:nvCxnSpPr>
+        <p:spPr>
+          <a:xfrm flipH="1">
+            <a:off x="3570569" y="1124557"/>
+            <a:ext cx="324127" cy="0"/>
+          </a:xfrm>
+          <a:prstGeom prst="line">
+            <a:avLst/>
+          </a:prstGeom>
+          <a:ln w="12700">
+            <a:solidFill>
+              <a:schemeClr val="tx1"/>
+            </a:solidFill>
+          </a:ln>
+        </p:spPr>
+        <p:style>
+          <a:lnRef idx="1">
+            <a:schemeClr val="accent1"/>
+          </a:lnRef>
+          <a:fillRef idx="0">
+            <a:schemeClr val="accent1"/>
+          </a:fillRef>
+          <a:effectRef idx="0">
+            <a:schemeClr val="accent1"/>
+          </a:effectRef>
+          <a:fontRef idx="minor">
+            <a:schemeClr val="tx1"/>
+          </a:fontRef>
+        </p:style>
+      </p:cxnSp>
+      <p:sp>
+        <p:nvSpPr>
+          <p:cNvPr id="52" name="Line 23">
+            <a:extLst>
+              <a:ext uri="{FF2B5EF4-FFF2-40B4-BE49-F238E27FC236}">
+                <a16:creationId xmlns:a16="http://schemas.microsoft.com/office/drawing/2014/main" id="{7C2B9557-6D87-484F-AA88-703924E8D56A}"/>
+              </a:ext>
+            </a:extLst>
+          </p:cNvPr>
+          <p:cNvSpPr>
+            <a:spLocks noChangeShapeType="1"/>
+          </p:cNvSpPr>
+          <p:nvPr/>
+        </p:nvSpPr>
+        <p:spPr bwMode="auto">
+          <a:xfrm flipH="1">
+            <a:off x="3573017" y="2891014"/>
+            <a:ext cx="296418" cy="0"/>
+          </a:xfrm>
+          <a:prstGeom prst="line">
+            <a:avLst/>
+          </a:prstGeom>
+          <a:noFill/>
+          <a:ln w="9525">
+            <a:solidFill>
+              <a:srgbClr val="000000"/>
+            </a:solidFill>
+            <a:round/>
+            <a:headEnd/>
+            <a:tailEnd type="triangle" w="med" len="med"/>
+          </a:ln>
+          <a:extLst>
+            <a:ext uri="{909E8E84-426E-40DD-AFC4-6F175D3DCCD1}">
+              <a14:hiddenFill xmlns:a14="http://schemas.microsoft.com/office/drawing/2010/main">
+                <a:noFill/>
+              </a14:hiddenFill>
+            </a:ext>
+          </a:extLst>
+        </p:spPr>
+        <p:txBody>
+          <a:bodyPr vert="horz" wrap="square" lIns="91440" tIns="45720" rIns="91440" bIns="45720" numCol="1" anchor="t" anchorCtr="0" compatLnSpc="1">
+            <a:prstTxWarp prst="textNoShape">
+              <a:avLst/>
+            </a:prstTxWarp>
+          </a:bodyPr>
+          <a:lstStyle/>
+          <a:p>
+            <a:endParaRPr lang="en-US"/>
+          </a:p>
+        </p:txBody>
+      </p:sp>
+      <p:cxnSp>
+        <p:nvCxnSpPr>
+          <p:cNvPr id="53" name="Straight Connector 52">
+            <a:extLst>
+              <a:ext uri="{FF2B5EF4-FFF2-40B4-BE49-F238E27FC236}">
+                <a16:creationId xmlns:a16="http://schemas.microsoft.com/office/drawing/2014/main" id="{FD210A51-1853-E047-ADA8-9E10CE41232B}"/>
+              </a:ext>
+            </a:extLst>
+          </p:cNvPr>
+          <p:cNvCxnSpPr>
+            <a:cxnSpLocks/>
+          </p:cNvCxnSpPr>
+          <p:nvPr/>
+        </p:nvCxnSpPr>
+        <p:spPr>
+          <a:xfrm>
+            <a:off x="3879826" y="2648557"/>
+            <a:ext cx="0" cy="242457"/>
+          </a:xfrm>
+          <a:prstGeom prst="line">
+            <a:avLst/>
+          </a:prstGeom>
+          <a:ln w="12700">
+            <a:solidFill>
+              <a:schemeClr val="tx1"/>
+            </a:solidFill>
+          </a:ln>
+        </p:spPr>
+        <p:style>
+          <a:lnRef idx="1">
+            <a:schemeClr val="accent1"/>
+          </a:lnRef>
+          <a:fillRef idx="0">
+            <a:schemeClr val="accent1"/>
+          </a:fillRef>
+          <a:effectRef idx="0">
+            <a:schemeClr val="accent1"/>
+          </a:effectRef>
+          <a:fontRef idx="minor">
+            <a:schemeClr val="tx1"/>
+          </a:fontRef>
+        </p:style>
+      </p:cxnSp>
+      <p:cxnSp>
+        <p:nvCxnSpPr>
+          <p:cNvPr id="54" name="Straight Connector 53">
+            <a:extLst>
+              <a:ext uri="{FF2B5EF4-FFF2-40B4-BE49-F238E27FC236}">
+                <a16:creationId xmlns:a16="http://schemas.microsoft.com/office/drawing/2014/main" id="{D0ACBFED-F5F7-C14C-9D17-FAC036551218}"/>
+              </a:ext>
+            </a:extLst>
+          </p:cNvPr>
+          <p:cNvCxnSpPr>
+            <a:cxnSpLocks/>
+          </p:cNvCxnSpPr>
+          <p:nvPr/>
+        </p:nvCxnSpPr>
+        <p:spPr>
+          <a:xfrm flipH="1">
+            <a:off x="3555700" y="2648558"/>
+            <a:ext cx="324127" cy="0"/>
+          </a:xfrm>
+          <a:prstGeom prst="line">
+            <a:avLst/>
+          </a:prstGeom>
+          <a:ln w="12700">
+            <a:solidFill>
+              <a:schemeClr val="tx1"/>
+            </a:solidFill>
+          </a:ln>
+        </p:spPr>
+        <p:style>
+          <a:lnRef idx="1">
+            <a:schemeClr val="accent1"/>
+          </a:lnRef>
+          <a:fillRef idx="0">
+            <a:schemeClr val="accent1"/>
+          </a:fillRef>
+          <a:effectRef idx="0">
+            <a:schemeClr val="accent1"/>
+          </a:effectRef>
+          <a:fontRef idx="minor">
+            <a:schemeClr val="tx1"/>
+          </a:fontRef>
+        </p:style>
+      </p:cxnSp>
+      <p:grpSp>
+        <p:nvGrpSpPr>
+          <p:cNvPr id="55" name="Group 54">
+            <a:extLst>
+              <a:ext uri="{FF2B5EF4-FFF2-40B4-BE49-F238E27FC236}">
+                <a16:creationId xmlns:a16="http://schemas.microsoft.com/office/drawing/2014/main" id="{A96D6C78-A9FF-7149-A7C8-C575A249D410}"/>
+              </a:ext>
+            </a:extLst>
+          </p:cNvPr>
+          <p:cNvGrpSpPr/>
+          <p:nvPr/>
+        </p:nvGrpSpPr>
+        <p:grpSpPr>
+          <a:xfrm flipH="1">
+            <a:off x="865435" y="1386043"/>
+            <a:ext cx="324127" cy="242457"/>
+            <a:chOff x="3555709" y="3740033"/>
+            <a:chExt cx="324127" cy="242457"/>
+          </a:xfrm>
+        </p:grpSpPr>
+        <p:sp>
+          <p:nvSpPr>
+            <p:cNvPr id="56" name="Line 23">
+              <a:extLst>
+                <a:ext uri="{FF2B5EF4-FFF2-40B4-BE49-F238E27FC236}">
+                  <a16:creationId xmlns:a16="http://schemas.microsoft.com/office/drawing/2014/main" id="{2CD5485E-9C9E-F745-85D1-98128EA1CC0A}"/>
+                </a:ext>
+              </a:extLst>
+            </p:cNvPr>
+            <p:cNvSpPr>
+              <a:spLocks noChangeShapeType="1"/>
+            </p:cNvSpPr>
+            <p:nvPr/>
+          </p:nvSpPr>
+          <p:spPr bwMode="auto">
+            <a:xfrm flipH="1" flipV="1">
+              <a:off x="3573026" y="3982490"/>
+              <a:ext cx="296418" cy="0"/>
+            </a:xfrm>
+            <a:prstGeom prst="line">
+              <a:avLst/>
+            </a:prstGeom>
+            <a:noFill/>
+            <a:ln w="9525">
+              <a:solidFill>
+                <a:srgbClr val="000000"/>
+              </a:solidFill>
+              <a:round/>
+              <a:headEnd/>
+              <a:tailEnd type="triangle" w="med" len="med"/>
+            </a:ln>
+            <a:extLst>
+              <a:ext uri="{909E8E84-426E-40DD-AFC4-6F175D3DCCD1}">
+                <a14:hiddenFill xmlns:a14="http://schemas.microsoft.com/office/drawing/2010/main">
+                  <a:noFill/>
+                </a14:hiddenFill>
+              </a:ext>
+            </a:extLst>
+          </p:spPr>
+          <p:txBody>
+            <a:bodyPr vert="horz" wrap="square" lIns="91440" tIns="45720" rIns="91440" bIns="45720" numCol="1" anchor="t" anchorCtr="0" compatLnSpc="1">
+              <a:prstTxWarp prst="textNoShape">
+                <a:avLst/>
+              </a:prstTxWarp>
+            </a:bodyPr>
+            <a:lstStyle/>
+            <a:p>
+              <a:endParaRPr lang="en-US"/>
+            </a:p>
+          </p:txBody>
+        </p:sp>
+        <p:cxnSp>
+          <p:nvCxnSpPr>
+            <p:cNvPr id="57" name="Straight Connector 56">
+              <a:extLst>
+                <a:ext uri="{FF2B5EF4-FFF2-40B4-BE49-F238E27FC236}">
+                  <a16:creationId xmlns:a16="http://schemas.microsoft.com/office/drawing/2014/main" id="{F6FF4147-616A-A94C-A6E3-9DBCEBC46BD2}"/>
+                </a:ext>
+              </a:extLst>
+            </p:cNvPr>
+            <p:cNvCxnSpPr>
+              <a:cxnSpLocks/>
+            </p:cNvCxnSpPr>
+            <p:nvPr/>
+          </p:nvCxnSpPr>
+          <p:spPr>
+            <a:xfrm flipV="1">
+              <a:off x="3879835" y="3740033"/>
+              <a:ext cx="0" cy="242457"/>
+            </a:xfrm>
+            <a:prstGeom prst="line">
+              <a:avLst/>
+            </a:prstGeom>
+            <a:ln w="12700">
+              <a:solidFill>
+                <a:schemeClr val="tx1"/>
+              </a:solidFill>
+            </a:ln>
+          </p:spPr>
+          <p:style>
+            <a:lnRef idx="1">
+              <a:schemeClr val="accent1"/>
+            </a:lnRef>
+            <a:fillRef idx="0">
+              <a:schemeClr val="accent1"/>
+            </a:fillRef>
+            <a:effectRef idx="0">
+              <a:schemeClr val="accent1"/>
+            </a:effectRef>
+            <a:fontRef idx="minor">
+              <a:schemeClr val="tx1"/>
+            </a:fontRef>
+          </p:style>
+        </p:cxnSp>
+        <p:cxnSp>
+          <p:nvCxnSpPr>
+            <p:cNvPr id="58" name="Straight Connector 57">
+              <a:extLst>
+                <a:ext uri="{FF2B5EF4-FFF2-40B4-BE49-F238E27FC236}">
+                  <a16:creationId xmlns:a16="http://schemas.microsoft.com/office/drawing/2014/main" id="{8CB33D05-BDF8-4E41-8BEA-3377DD2ACB02}"/>
+                </a:ext>
+              </a:extLst>
+            </p:cNvPr>
+            <p:cNvCxnSpPr>
+              <a:cxnSpLocks/>
+            </p:cNvCxnSpPr>
+            <p:nvPr/>
+          </p:nvCxnSpPr>
+          <p:spPr>
+            <a:xfrm flipH="1" flipV="1">
+              <a:off x="3555709" y="3740034"/>
+              <a:ext cx="324127" cy="0"/>
+            </a:xfrm>
+            <a:prstGeom prst="line">
+              <a:avLst/>
+            </a:prstGeom>
+            <a:ln w="12700">
+              <a:solidFill>
+                <a:schemeClr val="tx1"/>
+              </a:solidFill>
+            </a:ln>
+          </p:spPr>
+          <p:style>
+            <a:lnRef idx="1">
+              <a:schemeClr val="accent1"/>
+            </a:lnRef>
+            <a:fillRef idx="0">
+              <a:schemeClr val="accent1"/>
+            </a:fillRef>
+            <a:effectRef idx="0">
+              <a:schemeClr val="accent1"/>
+            </a:effectRef>
+            <a:fontRef idx="minor">
+              <a:schemeClr val="tx1"/>
+            </a:fontRef>
+          </p:style>
+        </p:cxnSp>
+      </p:grpSp>
+      <p:grpSp>
+        <p:nvGrpSpPr>
+          <p:cNvPr id="59" name="Group 58">
+            <a:extLst>
+              <a:ext uri="{FF2B5EF4-FFF2-40B4-BE49-F238E27FC236}">
+                <a16:creationId xmlns:a16="http://schemas.microsoft.com/office/drawing/2014/main" id="{BA1AD6DB-95BF-5D49-9CD0-62A93CB1BBA0}"/>
+              </a:ext>
+            </a:extLst>
+          </p:cNvPr>
+          <p:cNvGrpSpPr/>
+          <p:nvPr/>
+        </p:nvGrpSpPr>
+        <p:grpSpPr>
+          <a:xfrm flipH="1">
+            <a:off x="872872" y="2954646"/>
+            <a:ext cx="324127" cy="242457"/>
+            <a:chOff x="3555709" y="3740033"/>
+            <a:chExt cx="324127" cy="242457"/>
+          </a:xfrm>
+        </p:grpSpPr>
+        <p:sp>
+          <p:nvSpPr>
+            <p:cNvPr id="60" name="Line 23">
+              <a:extLst>
+                <a:ext uri="{FF2B5EF4-FFF2-40B4-BE49-F238E27FC236}">
+                  <a16:creationId xmlns:a16="http://schemas.microsoft.com/office/drawing/2014/main" id="{A0FBADA0-6986-3E49-AEBB-39EEDBA350E7}"/>
+                </a:ext>
+              </a:extLst>
+            </p:cNvPr>
+            <p:cNvSpPr>
+              <a:spLocks noChangeShapeType="1"/>
+            </p:cNvSpPr>
+            <p:nvPr/>
+          </p:nvSpPr>
+          <p:spPr bwMode="auto">
+            <a:xfrm flipH="1" flipV="1">
+              <a:off x="3573026" y="3982490"/>
+              <a:ext cx="296418" cy="0"/>
+            </a:xfrm>
+            <a:prstGeom prst="line">
+              <a:avLst/>
+            </a:prstGeom>
+            <a:noFill/>
+            <a:ln w="9525">
+              <a:solidFill>
+                <a:srgbClr val="000000"/>
+              </a:solidFill>
+              <a:round/>
+              <a:headEnd/>
+              <a:tailEnd type="triangle" w="med" len="med"/>
+            </a:ln>
+            <a:extLst>
+              <a:ext uri="{909E8E84-426E-40DD-AFC4-6F175D3DCCD1}">
+                <a14:hiddenFill xmlns:a14="http://schemas.microsoft.com/office/drawing/2010/main">
+                  <a:noFill/>
+                </a14:hiddenFill>
+              </a:ext>
+            </a:extLst>
+          </p:spPr>
+          <p:txBody>
+            <a:bodyPr vert="horz" wrap="square" lIns="91440" tIns="45720" rIns="91440" bIns="45720" numCol="1" anchor="t" anchorCtr="0" compatLnSpc="1">
+              <a:prstTxWarp prst="textNoShape">
+                <a:avLst/>
+              </a:prstTxWarp>
+            </a:bodyPr>
+            <a:lstStyle/>
+            <a:p>
+              <a:endParaRPr lang="en-US"/>
+            </a:p>
+          </p:txBody>
+        </p:sp>
+        <p:cxnSp>
+          <p:nvCxnSpPr>
+            <p:cNvPr id="61" name="Straight Connector 60">
+              <a:extLst>
+                <a:ext uri="{FF2B5EF4-FFF2-40B4-BE49-F238E27FC236}">
+                  <a16:creationId xmlns:a16="http://schemas.microsoft.com/office/drawing/2014/main" id="{CFCC8FF0-48C8-A54E-88E7-532219844C04}"/>
+                </a:ext>
+              </a:extLst>
+            </p:cNvPr>
+            <p:cNvCxnSpPr>
+              <a:cxnSpLocks/>
+            </p:cNvCxnSpPr>
+            <p:nvPr/>
+          </p:nvCxnSpPr>
+          <p:spPr>
+            <a:xfrm flipV="1">
+              <a:off x="3879835" y="3740033"/>
+              <a:ext cx="0" cy="242457"/>
+            </a:xfrm>
+            <a:prstGeom prst="line">
+              <a:avLst/>
+            </a:prstGeom>
+            <a:ln w="12700">
+              <a:solidFill>
+                <a:schemeClr val="tx1"/>
+              </a:solidFill>
+            </a:ln>
+          </p:spPr>
+          <p:style>
+            <a:lnRef idx="1">
+              <a:schemeClr val="accent1"/>
+            </a:lnRef>
+            <a:fillRef idx="0">
+              <a:schemeClr val="accent1"/>
+            </a:fillRef>
+            <a:effectRef idx="0">
+              <a:schemeClr val="accent1"/>
+            </a:effectRef>
+            <a:fontRef idx="minor">
+              <a:schemeClr val="tx1"/>
+            </a:fontRef>
+          </p:style>
+        </p:cxnSp>
+        <p:cxnSp>
+          <p:nvCxnSpPr>
+            <p:cNvPr id="62" name="Straight Connector 61">
+              <a:extLst>
+                <a:ext uri="{FF2B5EF4-FFF2-40B4-BE49-F238E27FC236}">
+                  <a16:creationId xmlns:a16="http://schemas.microsoft.com/office/drawing/2014/main" id="{EABB3789-B82B-7747-AA71-6972809A6E5E}"/>
+                </a:ext>
+              </a:extLst>
+            </p:cNvPr>
+            <p:cNvCxnSpPr>
+              <a:cxnSpLocks/>
+            </p:cNvCxnSpPr>
+            <p:nvPr/>
+          </p:nvCxnSpPr>
+          <p:spPr>
+            <a:xfrm flipH="1" flipV="1">
+              <a:off x="3555709" y="3740034"/>
+              <a:ext cx="324127" cy="0"/>
+            </a:xfrm>
+            <a:prstGeom prst="line">
+              <a:avLst/>
+            </a:prstGeom>
+            <a:ln w="12700">
+              <a:solidFill>
+                <a:schemeClr val="tx1"/>
+              </a:solidFill>
+            </a:ln>
+          </p:spPr>
+          <p:style>
+            <a:lnRef idx="1">
+              <a:schemeClr val="accent1"/>
+            </a:lnRef>
+            <a:fillRef idx="0">
+              <a:schemeClr val="accent1"/>
+            </a:fillRef>
+            <a:effectRef idx="0">
+              <a:schemeClr val="accent1"/>
+            </a:effectRef>
+            <a:fontRef idx="minor">
+              <a:schemeClr val="tx1"/>
+            </a:fontRef>
+          </p:style>
+        </p:cxnSp>
+      </p:grpSp>
     </p:spTree>
     <p:extLst>
       <p:ext uri="{BB962C8B-B14F-4D97-AF65-F5344CB8AC3E}">
